--- a/diagrams.pptx
+++ b/diagrams.pptx
@@ -7,6 +7,7 @@
   <p:sldIdLst>
     <p:sldId id="256" r:id="rId2"/>
     <p:sldId id="257" r:id="rId3"/>
+    <p:sldId id="258" r:id="rId4"/>
   </p:sldIdLst>
   <p:sldSz cx="12192000" cy="6858000"/>
   <p:notesSz cx="6858000" cy="9144000"/>
@@ -105,6 +106,11 @@
       </a:defRPr>
     </a:lvl9pPr>
   </p:defaultTextStyle>
+  <p:extLst>
+    <p:ext uri="{EFAFB233-063F-42B5-8137-9DF3F51BA10A}">
+      <p15:sldGuideLst xmlns:p15="http://schemas.microsoft.com/office/powerpoint/2012/main"/>
+    </p:ext>
+  </p:extLst>
 </p:presentation>
 </file>
 
@@ -3716,7 +3722,7 @@
           <a:p>
             <a:fld id="{A4124A9B-90BC-43B5-B997-92D8CD8529B3}" type="datetimeFigureOut">
               <a:rPr lang="en-US" smtClean="0"/>
-              <a:t>5/9/2020</a:t>
+              <a:t>10/8/2020</a:t>
             </a:fld>
             <a:endParaRPr lang="en-US"/>
           </a:p>
@@ -3914,7 +3920,7 @@
           <a:p>
             <a:fld id="{A4124A9B-90BC-43B5-B997-92D8CD8529B3}" type="datetimeFigureOut">
               <a:rPr lang="en-US" smtClean="0"/>
-              <a:t>5/9/2020</a:t>
+              <a:t>10/8/2020</a:t>
             </a:fld>
             <a:endParaRPr lang="en-US"/>
           </a:p>
@@ -4122,7 +4128,7 @@
           <a:p>
             <a:fld id="{A4124A9B-90BC-43B5-B997-92D8CD8529B3}" type="datetimeFigureOut">
               <a:rPr lang="en-US" smtClean="0"/>
-              <a:t>5/9/2020</a:t>
+              <a:t>10/8/2020</a:t>
             </a:fld>
             <a:endParaRPr lang="en-US"/>
           </a:p>
@@ -4320,7 +4326,7 @@
           <a:p>
             <a:fld id="{A4124A9B-90BC-43B5-B997-92D8CD8529B3}" type="datetimeFigureOut">
               <a:rPr lang="en-US" smtClean="0"/>
-              <a:t>5/9/2020</a:t>
+              <a:t>10/8/2020</a:t>
             </a:fld>
             <a:endParaRPr lang="en-US"/>
           </a:p>
@@ -4595,7 +4601,7 @@
           <a:p>
             <a:fld id="{A4124A9B-90BC-43B5-B997-92D8CD8529B3}" type="datetimeFigureOut">
               <a:rPr lang="en-US" smtClean="0"/>
-              <a:t>5/9/2020</a:t>
+              <a:t>10/8/2020</a:t>
             </a:fld>
             <a:endParaRPr lang="en-US"/>
           </a:p>
@@ -4860,7 +4866,7 @@
           <a:p>
             <a:fld id="{A4124A9B-90BC-43B5-B997-92D8CD8529B3}" type="datetimeFigureOut">
               <a:rPr lang="en-US" smtClean="0"/>
-              <a:t>5/9/2020</a:t>
+              <a:t>10/8/2020</a:t>
             </a:fld>
             <a:endParaRPr lang="en-US"/>
           </a:p>
@@ -5272,7 +5278,7 @@
           <a:p>
             <a:fld id="{A4124A9B-90BC-43B5-B997-92D8CD8529B3}" type="datetimeFigureOut">
               <a:rPr lang="en-US" smtClean="0"/>
-              <a:t>5/9/2020</a:t>
+              <a:t>10/8/2020</a:t>
             </a:fld>
             <a:endParaRPr lang="en-US"/>
           </a:p>
@@ -5413,7 +5419,7 @@
           <a:p>
             <a:fld id="{A4124A9B-90BC-43B5-B997-92D8CD8529B3}" type="datetimeFigureOut">
               <a:rPr lang="en-US" smtClean="0"/>
-              <a:t>5/9/2020</a:t>
+              <a:t>10/8/2020</a:t>
             </a:fld>
             <a:endParaRPr lang="en-US"/>
           </a:p>
@@ -5526,7 +5532,7 @@
           <a:p>
             <a:fld id="{A4124A9B-90BC-43B5-B997-92D8CD8529B3}" type="datetimeFigureOut">
               <a:rPr lang="en-US" smtClean="0"/>
-              <a:t>5/9/2020</a:t>
+              <a:t>10/8/2020</a:t>
             </a:fld>
             <a:endParaRPr lang="en-US"/>
           </a:p>
@@ -5837,7 +5843,7 @@
           <a:p>
             <a:fld id="{A4124A9B-90BC-43B5-B997-92D8CD8529B3}" type="datetimeFigureOut">
               <a:rPr lang="en-US" smtClean="0"/>
-              <a:t>5/9/2020</a:t>
+              <a:t>10/8/2020</a:t>
             </a:fld>
             <a:endParaRPr lang="en-US"/>
           </a:p>
@@ -6125,7 +6131,7 @@
           <a:p>
             <a:fld id="{A4124A9B-90BC-43B5-B997-92D8CD8529B3}" type="datetimeFigureOut">
               <a:rPr lang="en-US" smtClean="0"/>
-              <a:t>5/9/2020</a:t>
+              <a:t>10/8/2020</a:t>
             </a:fld>
             <a:endParaRPr lang="en-US"/>
           </a:p>
@@ -6366,7 +6372,7 @@
           <a:p>
             <a:fld id="{A4124A9B-90BC-43B5-B997-92D8CD8529B3}" type="datetimeFigureOut">
               <a:rPr lang="en-US" smtClean="0"/>
-              <a:t>5/9/2020</a:t>
+              <a:t>10/8/2020</a:t>
             </a:fld>
             <a:endParaRPr lang="en-US"/>
           </a:p>
@@ -7168,6 +7174,659 @@
 </p:sld>
 </file>
 
+<file path=ppt/slides/slide3.xml><?xml version="1.0" encoding="utf-8"?>
+<p:sld xmlns:a="http://schemas.openxmlformats.org/drawingml/2006/main" xmlns:r="http://schemas.openxmlformats.org/officeDocument/2006/relationships" xmlns:p="http://schemas.openxmlformats.org/presentationml/2006/main">
+  <p:cSld>
+    <p:spTree>
+      <p:nvGrpSpPr>
+        <p:cNvPr id="1" name=""/>
+        <p:cNvGrpSpPr/>
+        <p:nvPr/>
+      </p:nvGrpSpPr>
+      <p:grpSpPr>
+        <a:xfrm>
+          <a:off x="0" y="0"/>
+          <a:ext cx="0" cy="0"/>
+          <a:chOff x="0" y="0"/>
+          <a:chExt cx="0" cy="0"/>
+        </a:xfrm>
+      </p:grpSpPr>
+      <p:sp>
+        <p:nvSpPr>
+          <p:cNvPr id="41" name="Rectangle: Rounded Corners 40">
+            <a:extLst>
+              <a:ext uri="{FF2B5EF4-FFF2-40B4-BE49-F238E27FC236}">
+                <a16:creationId xmlns:a16="http://schemas.microsoft.com/office/drawing/2014/main" id="{51F7F22B-8FD9-40F4-8D25-AC2889CE44D5}"/>
+              </a:ext>
+            </a:extLst>
+          </p:cNvPr>
+          <p:cNvSpPr/>
+          <p:nvPr/>
+        </p:nvSpPr>
+        <p:spPr>
+          <a:xfrm>
+            <a:off x="5705223" y="3529661"/>
+            <a:ext cx="2768367" cy="660151"/>
+          </a:xfrm>
+          <a:prstGeom prst="roundRect">
+            <a:avLst/>
+          </a:prstGeom>
+          <a:solidFill>
+            <a:schemeClr val="bg2">
+              <a:lumMod val="90000"/>
+            </a:schemeClr>
+          </a:solidFill>
+        </p:spPr>
+        <p:style>
+          <a:lnRef idx="3">
+            <a:schemeClr val="lt1"/>
+          </a:lnRef>
+          <a:fillRef idx="1">
+            <a:schemeClr val="accent3"/>
+          </a:fillRef>
+          <a:effectRef idx="1">
+            <a:schemeClr val="accent3"/>
+          </a:effectRef>
+          <a:fontRef idx="minor">
+            <a:schemeClr val="lt1"/>
+          </a:fontRef>
+        </p:style>
+        <p:txBody>
+          <a:bodyPr rtlCol="0" anchor="ctr"/>
+          <a:lstStyle/>
+          <a:p>
+            <a:pPr algn="ctr"/>
+            <a:endParaRPr lang="en-US"/>
+          </a:p>
+        </p:txBody>
+      </p:sp>
+      <p:sp>
+        <p:nvSpPr>
+          <p:cNvPr id="22" name="Rectangle: Rounded Corners 21">
+            <a:extLst>
+              <a:ext uri="{FF2B5EF4-FFF2-40B4-BE49-F238E27FC236}">
+                <a16:creationId xmlns:a16="http://schemas.microsoft.com/office/drawing/2014/main" id="{42D244B1-F773-40F6-B566-C812C8CAD1A1}"/>
+              </a:ext>
+            </a:extLst>
+          </p:cNvPr>
+          <p:cNvSpPr/>
+          <p:nvPr/>
+        </p:nvSpPr>
+        <p:spPr>
+          <a:xfrm>
+            <a:off x="5705222" y="2924402"/>
+            <a:ext cx="2768367" cy="570409"/>
+          </a:xfrm>
+          <a:prstGeom prst="roundRect">
+            <a:avLst/>
+          </a:prstGeom>
+          <a:solidFill>
+            <a:schemeClr val="accent1">
+              <a:lumMod val="60000"/>
+              <a:lumOff val="40000"/>
+            </a:schemeClr>
+          </a:solidFill>
+        </p:spPr>
+        <p:style>
+          <a:lnRef idx="3">
+            <a:schemeClr val="lt1"/>
+          </a:lnRef>
+          <a:fillRef idx="1">
+            <a:schemeClr val="accent1"/>
+          </a:fillRef>
+          <a:effectRef idx="1">
+            <a:schemeClr val="accent1"/>
+          </a:effectRef>
+          <a:fontRef idx="minor">
+            <a:schemeClr val="lt1"/>
+          </a:fontRef>
+        </p:style>
+        <p:txBody>
+          <a:bodyPr rtlCol="0" anchor="ctr"/>
+          <a:lstStyle/>
+          <a:p>
+            <a:pPr algn="ctr"/>
+            <a:endParaRPr lang="en-US"/>
+          </a:p>
+        </p:txBody>
+      </p:sp>
+      <p:pic>
+        <p:nvPicPr>
+          <p:cNvPr id="13" name="Picture 12">
+            <a:extLst>
+              <a:ext uri="{FF2B5EF4-FFF2-40B4-BE49-F238E27FC236}">
+                <a16:creationId xmlns:a16="http://schemas.microsoft.com/office/drawing/2014/main" id="{7C3DD74D-E10B-475D-A0C4-D83BBFF73962}"/>
+              </a:ext>
+            </a:extLst>
+          </p:cNvPr>
+          <p:cNvPicPr>
+            <a:picLocks noChangeAspect="1"/>
+          </p:cNvPicPr>
+          <p:nvPr/>
+        </p:nvPicPr>
+        <p:blipFill>
+          <a:blip r:embed="rId2"/>
+          <a:stretch>
+            <a:fillRect/>
+          </a:stretch>
+        </p:blipFill>
+        <p:spPr>
+          <a:xfrm>
+            <a:off x="5920554" y="3555045"/>
+            <a:ext cx="564836" cy="590905"/>
+          </a:xfrm>
+          <a:prstGeom prst="rect">
+            <a:avLst/>
+          </a:prstGeom>
+        </p:spPr>
+      </p:pic>
+      <p:pic>
+        <p:nvPicPr>
+          <p:cNvPr id="16" name="Picture 15">
+            <a:extLst>
+              <a:ext uri="{FF2B5EF4-FFF2-40B4-BE49-F238E27FC236}">
+                <a16:creationId xmlns:a16="http://schemas.microsoft.com/office/drawing/2014/main" id="{82AEF31E-256B-4587-A99C-BA845C8705E0}"/>
+              </a:ext>
+            </a:extLst>
+          </p:cNvPr>
+          <p:cNvPicPr>
+            <a:picLocks noChangeAspect="1"/>
+          </p:cNvPicPr>
+          <p:nvPr/>
+        </p:nvPicPr>
+        <p:blipFill>
+          <a:blip r:embed="rId2"/>
+          <a:stretch>
+            <a:fillRect/>
+          </a:stretch>
+        </p:blipFill>
+        <p:spPr>
+          <a:xfrm>
+            <a:off x="6679524" y="3555044"/>
+            <a:ext cx="564836" cy="590905"/>
+          </a:xfrm>
+          <a:prstGeom prst="rect">
+            <a:avLst/>
+          </a:prstGeom>
+        </p:spPr>
+      </p:pic>
+      <p:pic>
+        <p:nvPicPr>
+          <p:cNvPr id="21" name="Picture 20" descr="A picture containing computer&#10;&#10;Description automatically generated">
+            <a:extLst>
+              <a:ext uri="{FF2B5EF4-FFF2-40B4-BE49-F238E27FC236}">
+                <a16:creationId xmlns:a16="http://schemas.microsoft.com/office/drawing/2014/main" id="{2D05BC22-70CB-4333-86EB-7143CDB9697A}"/>
+              </a:ext>
+            </a:extLst>
+          </p:cNvPr>
+          <p:cNvPicPr>
+            <a:picLocks noChangeAspect="1"/>
+          </p:cNvPicPr>
+          <p:nvPr/>
+        </p:nvPicPr>
+        <p:blipFill>
+          <a:blip r:embed="rId3">
+            <a:extLst>
+              <a:ext uri="{28A0092B-C50C-407E-A947-70E740481C1C}">
+                <a14:useLocalDpi xmlns:a14="http://schemas.microsoft.com/office/drawing/2010/main" val="0"/>
+              </a:ext>
+            </a:extLst>
+          </a:blip>
+          <a:stretch>
+            <a:fillRect/>
+          </a:stretch>
+        </p:blipFill>
+        <p:spPr>
+          <a:xfrm>
+            <a:off x="6075504" y="3018152"/>
+            <a:ext cx="1772873" cy="382908"/>
+          </a:xfrm>
+          <a:prstGeom prst="rect">
+            <a:avLst/>
+          </a:prstGeom>
+        </p:spPr>
+      </p:pic>
+      <p:pic>
+        <p:nvPicPr>
+          <p:cNvPr id="24" name="Picture 23" descr="A picture containing shape&#10;&#10;Description automatically generated">
+            <a:extLst>
+              <a:ext uri="{FF2B5EF4-FFF2-40B4-BE49-F238E27FC236}">
+                <a16:creationId xmlns:a16="http://schemas.microsoft.com/office/drawing/2014/main" id="{91F4361B-0945-4F5C-8076-7BC19B451366}"/>
+              </a:ext>
+            </a:extLst>
+          </p:cNvPr>
+          <p:cNvPicPr>
+            <a:picLocks noChangeAspect="1"/>
+          </p:cNvPicPr>
+          <p:nvPr/>
+        </p:nvPicPr>
+        <p:blipFill>
+          <a:blip r:embed="rId4">
+            <a:extLst>
+              <a:ext uri="{28A0092B-C50C-407E-A947-70E740481C1C}">
+                <a14:useLocalDpi xmlns:a14="http://schemas.microsoft.com/office/drawing/2010/main" val="0"/>
+              </a:ext>
+            </a:extLst>
+          </a:blip>
+          <a:stretch>
+            <a:fillRect/>
+          </a:stretch>
+        </p:blipFill>
+        <p:spPr>
+          <a:xfrm>
+            <a:off x="7384920" y="3605812"/>
+            <a:ext cx="859178" cy="540137"/>
+          </a:xfrm>
+          <a:prstGeom prst="rect">
+            <a:avLst/>
+          </a:prstGeom>
+        </p:spPr>
+      </p:pic>
+      <p:sp>
+        <p:nvSpPr>
+          <p:cNvPr id="25" name="TextBox 24">
+            <a:extLst>
+              <a:ext uri="{FF2B5EF4-FFF2-40B4-BE49-F238E27FC236}">
+                <a16:creationId xmlns:a16="http://schemas.microsoft.com/office/drawing/2014/main" id="{DBBB5E32-7DA7-4A2D-A09D-222A65738348}"/>
+              </a:ext>
+            </a:extLst>
+          </p:cNvPr>
+          <p:cNvSpPr txBox="1"/>
+          <p:nvPr/>
+        </p:nvSpPr>
+        <p:spPr>
+          <a:xfrm>
+            <a:off x="7438495" y="3776617"/>
+            <a:ext cx="753732" cy="369332"/>
+          </a:xfrm>
+          <a:prstGeom prst="rect">
+            <a:avLst/>
+          </a:prstGeom>
+          <a:noFill/>
+        </p:spPr>
+        <p:txBody>
+          <a:bodyPr wrap="none" rtlCol="0">
+            <a:spAutoFit/>
+          </a:bodyPr>
+          <a:lstStyle/>
+          <a:p>
+            <a:r>
+              <a:rPr lang="en-US" dirty="0">
+                <a:latin typeface="Abadi" panose="020B0604020104020204" pitchFamily="34" charset="0"/>
+              </a:rPr>
+              <a:t>Cloud</a:t>
+            </a:r>
+          </a:p>
+        </p:txBody>
+      </p:sp>
+      <p:sp>
+        <p:nvSpPr>
+          <p:cNvPr id="37" name="Rectangle: Rounded Corners 36">
+            <a:extLst>
+              <a:ext uri="{FF2B5EF4-FFF2-40B4-BE49-F238E27FC236}">
+                <a16:creationId xmlns:a16="http://schemas.microsoft.com/office/drawing/2014/main" id="{E3819C04-8568-42C5-A500-E97B877D749D}"/>
+              </a:ext>
+            </a:extLst>
+          </p:cNvPr>
+          <p:cNvSpPr/>
+          <p:nvPr/>
+        </p:nvSpPr>
+        <p:spPr>
+          <a:xfrm>
+            <a:off x="5705222" y="2220387"/>
+            <a:ext cx="2768367" cy="660152"/>
+          </a:xfrm>
+          <a:prstGeom prst="roundRect">
+            <a:avLst/>
+          </a:prstGeom>
+          <a:solidFill>
+            <a:srgbClr val="FFCD2F"/>
+          </a:solidFill>
+        </p:spPr>
+        <p:style>
+          <a:lnRef idx="3">
+            <a:schemeClr val="lt1"/>
+          </a:lnRef>
+          <a:fillRef idx="1">
+            <a:schemeClr val="accent2"/>
+          </a:fillRef>
+          <a:effectRef idx="1">
+            <a:schemeClr val="accent2"/>
+          </a:effectRef>
+          <a:fontRef idx="minor">
+            <a:schemeClr val="lt1"/>
+          </a:fontRef>
+        </p:style>
+        <p:txBody>
+          <a:bodyPr rtlCol="0" anchor="ctr"/>
+          <a:lstStyle/>
+          <a:p>
+            <a:pPr algn="ctr"/>
+            <a:endParaRPr lang="en-US"/>
+          </a:p>
+        </p:txBody>
+      </p:sp>
+      <p:sp>
+        <p:nvSpPr>
+          <p:cNvPr id="43" name="Rectangle: Rounded Corners 42">
+            <a:extLst>
+              <a:ext uri="{FF2B5EF4-FFF2-40B4-BE49-F238E27FC236}">
+                <a16:creationId xmlns:a16="http://schemas.microsoft.com/office/drawing/2014/main" id="{A6770AC4-6336-4432-973B-116D81439540}"/>
+              </a:ext>
+            </a:extLst>
+          </p:cNvPr>
+          <p:cNvSpPr/>
+          <p:nvPr/>
+        </p:nvSpPr>
+        <p:spPr>
+          <a:xfrm>
+            <a:off x="2520674" y="2924402"/>
+            <a:ext cx="2768367" cy="1265410"/>
+          </a:xfrm>
+          <a:prstGeom prst="roundRect">
+            <a:avLst/>
+          </a:prstGeom>
+          <a:solidFill>
+            <a:schemeClr val="bg2">
+              <a:lumMod val="90000"/>
+            </a:schemeClr>
+          </a:solidFill>
+        </p:spPr>
+        <p:style>
+          <a:lnRef idx="3">
+            <a:schemeClr val="lt1"/>
+          </a:lnRef>
+          <a:fillRef idx="1">
+            <a:schemeClr val="accent3"/>
+          </a:fillRef>
+          <a:effectRef idx="1">
+            <a:schemeClr val="accent3"/>
+          </a:effectRef>
+          <a:fontRef idx="minor">
+            <a:schemeClr val="lt1"/>
+          </a:fontRef>
+        </p:style>
+        <p:txBody>
+          <a:bodyPr rtlCol="0" anchor="ctr"/>
+          <a:lstStyle/>
+          <a:p>
+            <a:pPr algn="ctr"/>
+            <a:endParaRPr lang="en-US"/>
+          </a:p>
+        </p:txBody>
+      </p:sp>
+      <p:pic>
+        <p:nvPicPr>
+          <p:cNvPr id="47" name="Picture 46">
+            <a:extLst>
+              <a:ext uri="{FF2B5EF4-FFF2-40B4-BE49-F238E27FC236}">
+                <a16:creationId xmlns:a16="http://schemas.microsoft.com/office/drawing/2014/main" id="{24D18C23-59DA-4462-BABF-97333D9AF7B3}"/>
+              </a:ext>
+            </a:extLst>
+          </p:cNvPr>
+          <p:cNvPicPr>
+            <a:picLocks noChangeAspect="1"/>
+          </p:cNvPicPr>
+          <p:nvPr/>
+        </p:nvPicPr>
+        <p:blipFill>
+          <a:blip r:embed="rId2"/>
+          <a:stretch>
+            <a:fillRect/>
+          </a:stretch>
+        </p:blipFill>
+        <p:spPr>
+          <a:xfrm>
+            <a:off x="3622696" y="3555044"/>
+            <a:ext cx="564836" cy="590905"/>
+          </a:xfrm>
+          <a:prstGeom prst="rect">
+            <a:avLst/>
+          </a:prstGeom>
+        </p:spPr>
+      </p:pic>
+      <p:sp>
+        <p:nvSpPr>
+          <p:cNvPr id="57" name="Rectangle: Rounded Corners 56">
+            <a:extLst>
+              <a:ext uri="{FF2B5EF4-FFF2-40B4-BE49-F238E27FC236}">
+                <a16:creationId xmlns:a16="http://schemas.microsoft.com/office/drawing/2014/main" id="{89E95808-077B-4FBD-A40A-C286F060F4AD}"/>
+              </a:ext>
+            </a:extLst>
+          </p:cNvPr>
+          <p:cNvSpPr/>
+          <p:nvPr/>
+        </p:nvSpPr>
+        <p:spPr>
+          <a:xfrm>
+            <a:off x="2520673" y="2220387"/>
+            <a:ext cx="2768367" cy="660152"/>
+          </a:xfrm>
+          <a:prstGeom prst="roundRect">
+            <a:avLst/>
+          </a:prstGeom>
+          <a:solidFill>
+            <a:srgbClr val="FFCD2F"/>
+          </a:solidFill>
+        </p:spPr>
+        <p:style>
+          <a:lnRef idx="3">
+            <a:schemeClr val="lt1"/>
+          </a:lnRef>
+          <a:fillRef idx="1">
+            <a:schemeClr val="accent2"/>
+          </a:fillRef>
+          <a:effectRef idx="1">
+            <a:schemeClr val="accent2"/>
+          </a:effectRef>
+          <a:fontRef idx="minor">
+            <a:schemeClr val="lt1"/>
+          </a:fontRef>
+        </p:style>
+        <p:txBody>
+          <a:bodyPr rtlCol="0" anchor="ctr"/>
+          <a:lstStyle/>
+          <a:p>
+            <a:pPr algn="ctr"/>
+            <a:endParaRPr lang="en-US"/>
+          </a:p>
+        </p:txBody>
+      </p:sp>
+      <p:pic>
+        <p:nvPicPr>
+          <p:cNvPr id="59" name="Picture 58" descr="Icon&#10;&#10;Description automatically generated">
+            <a:extLst>
+              <a:ext uri="{FF2B5EF4-FFF2-40B4-BE49-F238E27FC236}">
+                <a16:creationId xmlns:a16="http://schemas.microsoft.com/office/drawing/2014/main" id="{947BD687-0160-415D-B9E4-70A11BEC09A4}"/>
+              </a:ext>
+            </a:extLst>
+          </p:cNvPr>
+          <p:cNvPicPr>
+            <a:picLocks noChangeAspect="1"/>
+          </p:cNvPicPr>
+          <p:nvPr/>
+        </p:nvPicPr>
+        <p:blipFill>
+          <a:blip r:embed="rId5">
+            <a:extLst>
+              <a:ext uri="{28A0092B-C50C-407E-A947-70E740481C1C}">
+                <a14:useLocalDpi xmlns:a14="http://schemas.microsoft.com/office/drawing/2010/main" val="0"/>
+              </a:ext>
+            </a:extLst>
+          </a:blip>
+          <a:stretch>
+            <a:fillRect/>
+          </a:stretch>
+        </p:blipFill>
+        <p:spPr>
+          <a:xfrm>
+            <a:off x="2886783" y="2350352"/>
+            <a:ext cx="1971179" cy="400221"/>
+          </a:xfrm>
+          <a:prstGeom prst="rect">
+            <a:avLst/>
+          </a:prstGeom>
+        </p:spPr>
+      </p:pic>
+      <p:pic>
+        <p:nvPicPr>
+          <p:cNvPr id="62" name="Picture 61" descr="Logo&#10;&#10;Description automatically generated">
+            <a:extLst>
+              <a:ext uri="{FF2B5EF4-FFF2-40B4-BE49-F238E27FC236}">
+                <a16:creationId xmlns:a16="http://schemas.microsoft.com/office/drawing/2014/main" id="{7E1A2685-18E0-4CF9-8B56-BA7205134404}"/>
+              </a:ext>
+            </a:extLst>
+          </p:cNvPr>
+          <p:cNvPicPr>
+            <a:picLocks noChangeAspect="1"/>
+          </p:cNvPicPr>
+          <p:nvPr/>
+        </p:nvPicPr>
+        <p:blipFill>
+          <a:blip r:embed="rId6">
+            <a:extLst>
+              <a:ext uri="{28A0092B-C50C-407E-A947-70E740481C1C}">
+                <a14:useLocalDpi xmlns:a14="http://schemas.microsoft.com/office/drawing/2010/main" val="0"/>
+              </a:ext>
+            </a:extLst>
+          </a:blip>
+          <a:stretch>
+            <a:fillRect/>
+          </a:stretch>
+        </p:blipFill>
+        <p:spPr>
+          <a:xfrm>
+            <a:off x="2886784" y="2648758"/>
+            <a:ext cx="1971179" cy="1108788"/>
+          </a:xfrm>
+          <a:prstGeom prst="rect">
+            <a:avLst/>
+          </a:prstGeom>
+        </p:spPr>
+      </p:pic>
+      <p:sp>
+        <p:nvSpPr>
+          <p:cNvPr id="1025" name="TextBox 1024">
+            <a:extLst>
+              <a:ext uri="{FF2B5EF4-FFF2-40B4-BE49-F238E27FC236}">
+                <a16:creationId xmlns:a16="http://schemas.microsoft.com/office/drawing/2014/main" id="{7743EAFB-ABDC-4E59-A398-F79C86BEC7FD}"/>
+              </a:ext>
+            </a:extLst>
+          </p:cNvPr>
+          <p:cNvSpPr txBox="1"/>
+          <p:nvPr/>
+        </p:nvSpPr>
+        <p:spPr>
+          <a:xfrm>
+            <a:off x="6598702" y="1751831"/>
+            <a:ext cx="869149" cy="369332"/>
+          </a:xfrm>
+          <a:prstGeom prst="rect">
+            <a:avLst/>
+          </a:prstGeom>
+          <a:noFill/>
+        </p:spPr>
+        <p:txBody>
+          <a:bodyPr wrap="none" rtlCol="0">
+            <a:spAutoFit/>
+          </a:bodyPr>
+          <a:lstStyle/>
+          <a:p>
+            <a:r>
+              <a:rPr lang="en-US" dirty="0">
+                <a:latin typeface="Abadi" panose="020B0604020104020204" pitchFamily="34" charset="0"/>
+              </a:rPr>
+              <a:t>Cluster</a:t>
+            </a:r>
+          </a:p>
+        </p:txBody>
+      </p:sp>
+      <p:sp>
+        <p:nvSpPr>
+          <p:cNvPr id="1027" name="TextBox 1026">
+            <a:extLst>
+              <a:ext uri="{FF2B5EF4-FFF2-40B4-BE49-F238E27FC236}">
+                <a16:creationId xmlns:a16="http://schemas.microsoft.com/office/drawing/2014/main" id="{8640CF42-D52F-4CD0-AAF3-63CD94281023}"/>
+              </a:ext>
+            </a:extLst>
+          </p:cNvPr>
+          <p:cNvSpPr txBox="1"/>
+          <p:nvPr/>
+        </p:nvSpPr>
+        <p:spPr>
+          <a:xfrm>
+            <a:off x="3328416" y="1775702"/>
+            <a:ext cx="1152880" cy="369332"/>
+          </a:xfrm>
+          <a:prstGeom prst="rect">
+            <a:avLst/>
+          </a:prstGeom>
+          <a:noFill/>
+        </p:spPr>
+        <p:txBody>
+          <a:bodyPr wrap="none" rtlCol="0">
+            <a:spAutoFit/>
+          </a:bodyPr>
+          <a:lstStyle/>
+          <a:p>
+            <a:r>
+              <a:rPr lang="en-US" dirty="0">
+                <a:latin typeface="Abadi" panose="020B0604020104020204" pitchFamily="34" charset="0"/>
+              </a:rPr>
+              <a:t>Appliance</a:t>
+            </a:r>
+          </a:p>
+        </p:txBody>
+      </p:sp>
+      <p:pic>
+        <p:nvPicPr>
+          <p:cNvPr id="1031" name="Picture 1030" descr="Icon&#10;&#10;Description automatically generated">
+            <a:extLst>
+              <a:ext uri="{FF2B5EF4-FFF2-40B4-BE49-F238E27FC236}">
+                <a16:creationId xmlns:a16="http://schemas.microsoft.com/office/drawing/2014/main" id="{EC1E1D39-ADA7-4ED9-AA2E-386428468C1E}"/>
+              </a:ext>
+            </a:extLst>
+          </p:cNvPr>
+          <p:cNvPicPr>
+            <a:picLocks noChangeAspect="1"/>
+          </p:cNvPicPr>
+          <p:nvPr/>
+        </p:nvPicPr>
+        <p:blipFill>
+          <a:blip r:embed="rId5">
+            <a:extLst>
+              <a:ext uri="{28A0092B-C50C-407E-A947-70E740481C1C}">
+                <a14:useLocalDpi xmlns:a14="http://schemas.microsoft.com/office/drawing/2010/main" val="0"/>
+              </a:ext>
+            </a:extLst>
+          </a:blip>
+          <a:stretch>
+            <a:fillRect/>
+          </a:stretch>
+        </p:blipFill>
+        <p:spPr>
+          <a:xfrm>
+            <a:off x="6079934" y="2351816"/>
+            <a:ext cx="1971179" cy="400221"/>
+          </a:xfrm>
+          <a:prstGeom prst="rect">
+            <a:avLst/>
+          </a:prstGeom>
+        </p:spPr>
+      </p:pic>
+    </p:spTree>
+    <p:extLst>
+      <p:ext uri="{BB962C8B-B14F-4D97-AF65-F5344CB8AC3E}">
+        <p14:creationId xmlns:p14="http://schemas.microsoft.com/office/powerpoint/2010/main" val="1472076712"/>
+      </p:ext>
+    </p:extLst>
+  </p:cSld>
+  <p:clrMapOvr>
+    <a:masterClrMapping/>
+  </p:clrMapOvr>
+</p:sld>
+</file>
+
 <file path=ppt/theme/theme1.xml><?xml version="1.0" encoding="utf-8"?>
 <a:theme xmlns:a="http://schemas.openxmlformats.org/drawingml/2006/main" name="Office Theme">
   <a:themeElements>
